--- a/Presentation/2nd/2013182001 2nd PPT.pptx
+++ b/Presentation/2nd/2013182001 2nd PPT.pptx
@@ -258,7 +258,7 @@
           <a:p>
             <a:fld id="{56D5005E-21B8-453A-959F-2E3FDDA0D497}" type="datetimeFigureOut">
               <a:rPr lang="ko-KR" altLang="en-US" smtClean="0"/>
-              <a:t>2016-10-19</a:t>
+              <a:t>2016-10-20</a:t>
             </a:fld>
             <a:endParaRPr lang="ko-KR" altLang="en-US"/>
           </a:p>
@@ -426,7 +426,7 @@
           <a:p>
             <a:fld id="{56D5005E-21B8-453A-959F-2E3FDDA0D497}" type="datetimeFigureOut">
               <a:rPr lang="ko-KR" altLang="en-US" smtClean="0"/>
-              <a:t>2016-10-19</a:t>
+              <a:t>2016-10-20</a:t>
             </a:fld>
             <a:endParaRPr lang="ko-KR" altLang="en-US"/>
           </a:p>
@@ -604,7 +604,7 @@
           <a:p>
             <a:fld id="{56D5005E-21B8-453A-959F-2E3FDDA0D497}" type="datetimeFigureOut">
               <a:rPr lang="ko-KR" altLang="en-US" smtClean="0"/>
-              <a:t>2016-10-19</a:t>
+              <a:t>2016-10-20</a:t>
             </a:fld>
             <a:endParaRPr lang="ko-KR" altLang="en-US"/>
           </a:p>
@@ -772,7 +772,7 @@
           <a:p>
             <a:fld id="{56D5005E-21B8-453A-959F-2E3FDDA0D497}" type="datetimeFigureOut">
               <a:rPr lang="ko-KR" altLang="en-US" smtClean="0"/>
-              <a:t>2016-10-19</a:t>
+              <a:t>2016-10-20</a:t>
             </a:fld>
             <a:endParaRPr lang="ko-KR" altLang="en-US"/>
           </a:p>
@@ -1017,7 +1017,7 @@
           <a:p>
             <a:fld id="{56D5005E-21B8-453A-959F-2E3FDDA0D497}" type="datetimeFigureOut">
               <a:rPr lang="ko-KR" altLang="en-US" smtClean="0"/>
-              <a:t>2016-10-19</a:t>
+              <a:t>2016-10-20</a:t>
             </a:fld>
             <a:endParaRPr lang="ko-KR" altLang="en-US"/>
           </a:p>
@@ -1246,7 +1246,7 @@
           <a:p>
             <a:fld id="{56D5005E-21B8-453A-959F-2E3FDDA0D497}" type="datetimeFigureOut">
               <a:rPr lang="ko-KR" altLang="en-US" smtClean="0"/>
-              <a:t>2016-10-19</a:t>
+              <a:t>2016-10-20</a:t>
             </a:fld>
             <a:endParaRPr lang="ko-KR" altLang="en-US"/>
           </a:p>
@@ -1610,7 +1610,7 @@
           <a:p>
             <a:fld id="{56D5005E-21B8-453A-959F-2E3FDDA0D497}" type="datetimeFigureOut">
               <a:rPr lang="ko-KR" altLang="en-US" smtClean="0"/>
-              <a:t>2016-10-19</a:t>
+              <a:t>2016-10-20</a:t>
             </a:fld>
             <a:endParaRPr lang="ko-KR" altLang="en-US"/>
           </a:p>
@@ -1727,7 +1727,7 @@
           <a:p>
             <a:fld id="{56D5005E-21B8-453A-959F-2E3FDDA0D497}" type="datetimeFigureOut">
               <a:rPr lang="ko-KR" altLang="en-US" smtClean="0"/>
-              <a:t>2016-10-19</a:t>
+              <a:t>2016-10-20</a:t>
             </a:fld>
             <a:endParaRPr lang="ko-KR" altLang="en-US"/>
           </a:p>
@@ -1822,7 +1822,7 @@
           <a:p>
             <a:fld id="{56D5005E-21B8-453A-959F-2E3FDDA0D497}" type="datetimeFigureOut">
               <a:rPr lang="ko-KR" altLang="en-US" smtClean="0"/>
-              <a:t>2016-10-19</a:t>
+              <a:t>2016-10-20</a:t>
             </a:fld>
             <a:endParaRPr lang="ko-KR" altLang="en-US"/>
           </a:p>
@@ -2097,7 +2097,7 @@
           <a:p>
             <a:fld id="{56D5005E-21B8-453A-959F-2E3FDDA0D497}" type="datetimeFigureOut">
               <a:rPr lang="ko-KR" altLang="en-US" smtClean="0"/>
-              <a:t>2016-10-19</a:t>
+              <a:t>2016-10-20</a:t>
             </a:fld>
             <a:endParaRPr lang="ko-KR" altLang="en-US"/>
           </a:p>
@@ -2349,7 +2349,7 @@
           <a:p>
             <a:fld id="{56D5005E-21B8-453A-959F-2E3FDDA0D497}" type="datetimeFigureOut">
               <a:rPr lang="ko-KR" altLang="en-US" smtClean="0"/>
-              <a:t>2016-10-19</a:t>
+              <a:t>2016-10-20</a:t>
             </a:fld>
             <a:endParaRPr lang="ko-KR" altLang="en-US"/>
           </a:p>
@@ -2560,7 +2560,7 @@
           <a:p>
             <a:fld id="{56D5005E-21B8-453A-959F-2E3FDDA0D497}" type="datetimeFigureOut">
               <a:rPr lang="ko-KR" altLang="en-US" smtClean="0"/>
-              <a:t>2016-10-19</a:t>
+              <a:t>2016-10-20</a:t>
             </a:fld>
             <a:endParaRPr lang="ko-KR" altLang="en-US"/>
           </a:p>
@@ -3007,14 +3007,13 @@
           <a:lstStyle/>
           <a:p>
             <a:r>
-              <a:rPr lang="en-US" altLang="ko-KR"/>
+              <a:rPr lang="en-US" altLang="ko-KR" dirty="0"/>
               <a:t>2013182001 </a:t>
             </a:r>
             <a:r>
-              <a:rPr lang="ko-KR" altLang="en-US"/>
+              <a:rPr lang="ko-KR" altLang="en-US" dirty="0"/>
               <a:t>강수빈</a:t>
             </a:r>
-            <a:endParaRPr lang="ko-KR" altLang="en-US" dirty="0"/>
           </a:p>
         </p:txBody>
       </p:sp>
@@ -3208,7 +3207,7 @@
           <p:nvPr>
             <p:extLst>
               <p:ext uri="{D42A27DB-BD31-4B8C-83A1-F6EECF244321}">
-                <p14:modId xmlns:p14="http://schemas.microsoft.com/office/powerpoint/2010/main" val="1363174956"/>
+                <p14:modId xmlns:p14="http://schemas.microsoft.com/office/powerpoint/2010/main" val="3992457132"/>
               </p:ext>
             </p:extLst>
           </p:nvPr>
@@ -3262,7 +3261,7 @@
                       <a:pPr algn="ctr" latinLnBrk="1"/>
                       <a:r>
                         <a:rPr lang="ko-KR" altLang="en-US" dirty="0"/>
-                        <a:t>최소범위</a:t>
+                        <a:t>범위</a:t>
                       </a:r>
                     </a:p>
                   </a:txBody>
@@ -3594,7 +3593,7 @@
           <p:nvPr>
             <p:extLst>
               <p:ext uri="{D42A27DB-BD31-4B8C-83A1-F6EECF244321}">
-                <p14:modId xmlns:p14="http://schemas.microsoft.com/office/powerpoint/2010/main" val="3807285615"/>
+                <p14:modId xmlns:p14="http://schemas.microsoft.com/office/powerpoint/2010/main" val="872459318"/>
               </p:ext>
             </p:extLst>
           </p:nvPr>
@@ -4624,7 +4623,7 @@
       </p:sp>
       <p:pic>
         <p:nvPicPr>
-          <p:cNvPr id="4" name="내용 개체 틀 3"/>
+          <p:cNvPr id="5" name="내용 개체 틀 4"/>
           <p:cNvPicPr>
             <a:picLocks noGrp="1" noChangeAspect="1"/>
           </p:cNvPicPr>
@@ -4646,8 +4645,8 @@
         </p:blipFill>
         <p:spPr>
           <a:xfrm>
-            <a:off x="1079241" y="1046136"/>
-            <a:ext cx="9498562" cy="5811864"/>
+            <a:off x="1307227" y="987213"/>
+            <a:ext cx="8635151" cy="5422072"/>
           </a:xfrm>
         </p:spPr>
       </p:pic>
@@ -4690,14 +4689,14 @@
           <p:nvPr>
             <p:extLst>
               <p:ext uri="{D42A27DB-BD31-4B8C-83A1-F6EECF244321}">
-                <p14:modId xmlns:p14="http://schemas.microsoft.com/office/powerpoint/2010/main" val="3107881872"/>
+                <p14:modId xmlns:p14="http://schemas.microsoft.com/office/powerpoint/2010/main" val="2751691461"/>
               </p:ext>
             </p:extLst>
           </p:nvPr>
         </p:nvGraphicFramePr>
         <p:xfrm>
-          <a:off x="1237565" y="991850"/>
-          <a:ext cx="9759298" cy="4842430"/>
+          <a:off x="1117250" y="1497177"/>
+          <a:ext cx="9759298" cy="3507270"/>
         </p:xfrm>
         <a:graphic>
           <a:graphicData uri="http://schemas.openxmlformats.org/drawingml/2006/table">
@@ -4981,132 +4980,6 @@
                           <a:latin typeface="돋움체" panose="020B0609000101010101" pitchFamily="49" charset="-127"/>
                           <a:ea typeface="돋움체" panose="020B0609000101010101" pitchFamily="49" charset="-127"/>
                         </a:rPr>
-                        <a:t>게임 핵심 </a:t>
-                      </a:r>
-                      <a:r>
-                        <a:rPr lang="ko-KR" altLang="en-US" sz="1600" dirty="0" err="1">
-                          <a:latin typeface="돋움체" panose="020B0609000101010101" pitchFamily="49" charset="-127"/>
-                          <a:ea typeface="돋움체" panose="020B0609000101010101" pitchFamily="49" charset="-127"/>
-                        </a:rPr>
-                        <a:t>메카닉의</a:t>
-                      </a:r>
-                      <a:r>
-                        <a:rPr lang="ko-KR" altLang="en-US" sz="1600" dirty="0">
-                          <a:latin typeface="돋움체" panose="020B0609000101010101" pitchFamily="49" charset="-127"/>
-                          <a:ea typeface="돋움체" panose="020B0609000101010101" pitchFamily="49" charset="-127"/>
-                        </a:rPr>
-                        <a:t> 제시가 잘 되었는가</a:t>
-                      </a:r>
-                      <a:r>
-                        <a:rPr lang="en-US" altLang="ko-KR" sz="1600" dirty="0">
-                          <a:latin typeface="돋움체" panose="020B0609000101010101" pitchFamily="49" charset="-127"/>
-                          <a:ea typeface="돋움체" panose="020B0609000101010101" pitchFamily="49" charset="-127"/>
-                        </a:rPr>
-                        <a:t>?</a:t>
-                      </a:r>
-                      <a:endParaRPr lang="ko-KR" altLang="en-US" sz="1600" dirty="0">
-                        <a:latin typeface="돋움체" panose="020B0609000101010101" pitchFamily="49" charset="-127"/>
-                        <a:ea typeface="돋움체" panose="020B0609000101010101" pitchFamily="49" charset="-127"/>
-                      </a:endParaRPr>
-                    </a:p>
-                  </a:txBody>
-                  <a:tcPr anchor="ctr"/>
-                </a:tc>
-                <a:tc>
-                  <a:txBody>
-                    <a:bodyPr/>
-                    <a:lstStyle/>
-                    <a:p>
-                      <a:pPr algn="ctr" latinLnBrk="1"/>
-                      <a:r>
-                        <a:rPr lang="en-US" altLang="ko-KR" sz="1600" dirty="0">
-                          <a:latin typeface="돋움체" panose="020B0609000101010101" pitchFamily="49" charset="-127"/>
-                          <a:ea typeface="돋움체" panose="020B0609000101010101" pitchFamily="49" charset="-127"/>
-                        </a:rPr>
-                        <a:t>B</a:t>
-                      </a:r>
-                      <a:endParaRPr lang="ko-KR" altLang="en-US" sz="1600" dirty="0">
-                        <a:latin typeface="돋움체" panose="020B0609000101010101" pitchFamily="49" charset="-127"/>
-                        <a:ea typeface="돋움체" panose="020B0609000101010101" pitchFamily="49" charset="-127"/>
-                      </a:endParaRPr>
-                    </a:p>
-                  </a:txBody>
-                  <a:tcPr anchor="ctr"/>
-                </a:tc>
-                <a:extLst>
-                  <a:ext uri="{0D108BD9-81ED-4DB2-BD59-A6C34878D82A}">
-                    <a16:rowId xmlns:a16="http://schemas.microsoft.com/office/drawing/2014/main" val="10003"/>
-                  </a:ext>
-                </a:extLst>
-              </a:tr>
-              <a:tr h="667580">
-                <a:tc>
-                  <a:txBody>
-                    <a:bodyPr/>
-                    <a:lstStyle/>
-                    <a:p>
-                      <a:pPr algn="ctr" latinLnBrk="1"/>
-                      <a:r>
-                        <a:rPr lang="ko-KR" altLang="en-US" sz="1600" dirty="0">
-                          <a:latin typeface="돋움체" panose="020B0609000101010101" pitchFamily="49" charset="-127"/>
-                          <a:ea typeface="돋움체" panose="020B0609000101010101" pitchFamily="49" charset="-127"/>
-                        </a:rPr>
-                        <a:t>게임 실행 흐름이 잘 표현되었는가</a:t>
-                      </a:r>
-                      <a:r>
-                        <a:rPr lang="en-US" altLang="ko-KR" sz="1600" dirty="0">
-                          <a:latin typeface="돋움체" panose="020B0609000101010101" pitchFamily="49" charset="-127"/>
-                          <a:ea typeface="돋움체" panose="020B0609000101010101" pitchFamily="49" charset="-127"/>
-                        </a:rPr>
-                        <a:t>?</a:t>
-                      </a:r>
-                      <a:endParaRPr lang="ko-KR" altLang="en-US" sz="1600" dirty="0">
-                        <a:latin typeface="돋움체" panose="020B0609000101010101" pitchFamily="49" charset="-127"/>
-                        <a:ea typeface="돋움체" panose="020B0609000101010101" pitchFamily="49" charset="-127"/>
-                      </a:endParaRPr>
-                    </a:p>
-                  </a:txBody>
-                  <a:tcPr anchor="ctr"/>
-                </a:tc>
-                <a:tc>
-                  <a:txBody>
-                    <a:bodyPr/>
-                    <a:lstStyle/>
-                    <a:p>
-                      <a:pPr algn="ctr" latinLnBrk="1"/>
-                      <a:r>
-                        <a:rPr lang="en-US" altLang="ko-KR" sz="1600" dirty="0">
-                          <a:latin typeface="돋움체" panose="020B0609000101010101" pitchFamily="49" charset="-127"/>
-                          <a:ea typeface="돋움체" panose="020B0609000101010101" pitchFamily="49" charset="-127"/>
-                        </a:rPr>
-                        <a:t>A</a:t>
-                      </a:r>
-                      <a:endParaRPr lang="ko-KR" altLang="en-US" sz="1600" dirty="0">
-                        <a:latin typeface="돋움체" panose="020B0609000101010101" pitchFamily="49" charset="-127"/>
-                        <a:ea typeface="돋움체" panose="020B0609000101010101" pitchFamily="49" charset="-127"/>
-                      </a:endParaRPr>
-                    </a:p>
-                  </a:txBody>
-                  <a:tcPr anchor="ctr"/>
-                </a:tc>
-                <a:extLst>
-                  <a:ext uri="{0D108BD9-81ED-4DB2-BD59-A6C34878D82A}">
-                    <a16:rowId xmlns:a16="http://schemas.microsoft.com/office/drawing/2014/main" val="10004"/>
-                  </a:ext>
-                </a:extLst>
-              </a:tr>
-              <a:tr h="667580">
-                <a:tc>
-                  <a:txBody>
-                    <a:bodyPr/>
-                    <a:lstStyle/>
-                    <a:p>
-                      <a:pPr algn="ctr" latinLnBrk="1"/>
-                      <a:r>
-                        <a:rPr lang="ko-KR" altLang="en-US" sz="1600" dirty="0">
-                          <a:latin typeface="돋움체" panose="020B0609000101010101" pitchFamily="49" charset="-127"/>
-                          <a:ea typeface="돋움체" panose="020B0609000101010101" pitchFamily="49" charset="-127"/>
-                        </a:rPr>
                         <a:t>개발 범위가 구체적이며</a:t>
                       </a:r>
                       <a:r>
@@ -5212,7 +5085,7 @@
                           <a:latin typeface="돋움체" panose="020B0609000101010101" pitchFamily="49" charset="-127"/>
                           <a:ea typeface="돋움체" panose="020B0609000101010101" pitchFamily="49" charset="-127"/>
                         </a:rPr>
-                        <a:t>C</a:t>
+                        <a:t>B</a:t>
                       </a:r>
                       <a:endParaRPr lang="ko-KR" altLang="en-US" sz="1600" dirty="0">
                         <a:latin typeface="돋움체" panose="020B0609000101010101" pitchFamily="49" charset="-127"/>
